--- a/UM_DataManagementClass/Lessons/14/14_FirstMeeting.pptx
+++ b/UM_DataManagementClass/Lessons/14/14_FirstMeeting.pptx
@@ -4443,11 +4443,7 @@
           <a:p>
             <a:r>
               <a:rPr lang="en-US" dirty="0" smtClean="0"/>
-              <a:t>Due</a:t>
-            </a:r>
-            <a:r>
-              <a:rPr lang="en-US" dirty="0" smtClean="0"/>
-              <a:t>: May 4</a:t>
+              <a:t>Due: May 4</a:t>
             </a:r>
             <a:r>
               <a:rPr lang="en-US" baseline="30000" dirty="0" smtClean="0"/>
@@ -4455,11 +4451,7 @@
             </a:r>
             <a:r>
               <a:rPr lang="en-US" dirty="0" smtClean="0"/>
-              <a:t> </a:t>
-            </a:r>
-            <a:r>
-              <a:rPr lang="en-US" dirty="0" smtClean="0"/>
-              <a:t>2016</a:t>
+              <a:t> 2016</a:t>
             </a:r>
             <a:endParaRPr lang="en-US" dirty="0"/>
           </a:p>
@@ -4614,7 +4606,6 @@
               <a:rPr lang="en-US" dirty="0" smtClean="0"/>
               <a:t>Look to agency specifications</a:t>
             </a:r>
-            <a:endParaRPr lang="en-US" dirty="0" smtClean="0"/>
           </a:p>
         </p:txBody>
       </p:sp>
@@ -4661,11 +4652,7 @@
           <a:p>
             <a:r>
               <a:rPr lang="en-US" dirty="0" smtClean="0"/>
-              <a:t>Due</a:t>
-            </a:r>
-            <a:r>
-              <a:rPr lang="en-US" dirty="0" smtClean="0"/>
-              <a:t>: May 4</a:t>
+              <a:t>Due: May 4</a:t>
             </a:r>
             <a:r>
               <a:rPr lang="en-US" baseline="30000" dirty="0" smtClean="0"/>
@@ -4673,11 +4660,7 @@
             </a:r>
             <a:r>
               <a:rPr lang="en-US" dirty="0" smtClean="0"/>
-              <a:t> </a:t>
-            </a:r>
-            <a:r>
-              <a:rPr lang="en-US" dirty="0" smtClean="0"/>
-              <a:t>2016</a:t>
+              <a:t> 2016</a:t>
             </a:r>
             <a:endParaRPr lang="en-US" dirty="0"/>
           </a:p>
@@ -4846,7 +4829,6 @@
               <a:rPr lang="en-US" dirty="0" smtClean="0"/>
               <a:t>Follow repository guidelines</a:t>
             </a:r>
-            <a:endParaRPr lang="en-US" dirty="0" smtClean="0"/>
           </a:p>
         </p:txBody>
       </p:sp>
@@ -4893,11 +4875,7 @@
           <a:p>
             <a:r>
               <a:rPr lang="en-US" dirty="0" smtClean="0"/>
-              <a:t>Due</a:t>
-            </a:r>
-            <a:r>
-              <a:rPr lang="en-US" dirty="0" smtClean="0"/>
-              <a:t>: May 4</a:t>
+              <a:t>Due: May 4</a:t>
             </a:r>
             <a:r>
               <a:rPr lang="en-US" baseline="30000" dirty="0" smtClean="0"/>
@@ -4905,13 +4883,47 @@
             </a:r>
             <a:r>
               <a:rPr lang="en-US" dirty="0" smtClean="0"/>
-              <a:t> </a:t>
-            </a:r>
-            <a:r>
-              <a:rPr lang="en-US" dirty="0" smtClean="0"/>
-              <a:t>2016</a:t>
+              <a:t> 2016</a:t>
             </a:r>
             <a:endParaRPr lang="en-US" dirty="0"/>
+          </a:p>
+        </p:txBody>
+      </p:sp>
+      <p:sp>
+        <p:nvSpPr>
+          <p:cNvPr id="4" name="TextBox 3"/>
+          <p:cNvSpPr txBox="1"/>
+          <p:nvPr/>
+        </p:nvSpPr>
+        <p:spPr>
+          <a:xfrm>
+            <a:off x="7762535" y="3031122"/>
+            <a:ext cx="2753959" cy="931803"/>
+          </a:xfrm>
+          <a:prstGeom prst="rect">
+            <a:avLst/>
+          </a:prstGeom>
+          <a:noFill/>
+        </p:spPr>
+        <p:txBody>
+          <a:bodyPr wrap="square" rtlCol="0">
+            <a:spAutoFit/>
+          </a:bodyPr>
+          <a:lstStyle/>
+          <a:p>
+            <a:r>
+              <a:rPr lang="en-US" i="1" dirty="0" smtClean="0"/>
+              <a:t>You </a:t>
+            </a:r>
+            <a:r>
+              <a:rPr lang="en-US" b="1" i="1" dirty="0" smtClean="0"/>
+              <a:t>do not </a:t>
+            </a:r>
+            <a:r>
+              <a:rPr lang="en-US" i="1" dirty="0" smtClean="0"/>
+              <a:t>have to deposit the data as a part of the assignment.</a:t>
+            </a:r>
+            <a:endParaRPr lang="en-US" i="1" dirty="0"/>
           </a:p>
         </p:txBody>
       </p:sp>
